--- a/computerTestRelative/上機考二.pptx
+++ b/computerTestRelative/上機考二.pptx
@@ -202,7 +202,7 @@
           <a:p>
             <a:fld id="{92B860D0-6072-435E-B10D-9604F04593A7}" type="datetimeFigureOut">
               <a:rPr lang="zh-TW" altLang="en-US" smtClean="0"/>
-              <a:t>2021/12/23</a:t>
+              <a:t>2022/1/10</a:t>
             </a:fld>
             <a:endParaRPr lang="zh-TW" altLang="en-US"/>
           </a:p>
@@ -600,7 +600,7 @@
           <a:p>
             <a:fld id="{43911A64-6EA9-4E62-8ABA-710E3AC9F046}" type="datetime1">
               <a:rPr lang="zh-TW" altLang="en-US" smtClean="0"/>
-              <a:t>2021/12/23</a:t>
+              <a:t>2022/1/10</a:t>
             </a:fld>
             <a:endParaRPr lang="zh-TW" altLang="en-US"/>
           </a:p>
@@ -773,7 +773,7 @@
           <a:p>
             <a:fld id="{F67987DE-596D-4E37-8949-8662B8FC3C94}" type="datetime1">
               <a:rPr lang="zh-TW" altLang="en-US" smtClean="0"/>
-              <a:t>2021/12/23</a:t>
+              <a:t>2022/1/10</a:t>
             </a:fld>
             <a:endParaRPr lang="zh-TW" altLang="en-US"/>
           </a:p>
@@ -956,7 +956,7 @@
           <a:p>
             <a:fld id="{E167BBF8-4505-477A-82C9-414D7EE8D7C2}" type="datetime1">
               <a:rPr lang="zh-TW" altLang="en-US" smtClean="0"/>
-              <a:t>2021/12/23</a:t>
+              <a:t>2022/1/10</a:t>
             </a:fld>
             <a:endParaRPr lang="zh-TW" altLang="en-US"/>
           </a:p>
@@ -1134,7 +1134,7 @@
           <a:p>
             <a:fld id="{C0F47005-D305-4156-8783-56648FF36DAF}" type="datetime1">
               <a:rPr lang="zh-TW" altLang="en-US" smtClean="0"/>
-              <a:t>2021/12/23</a:t>
+              <a:t>2022/1/10</a:t>
             </a:fld>
             <a:endParaRPr lang="zh-TW" altLang="en-US"/>
           </a:p>
@@ -1386,7 +1386,7 @@
           <a:p>
             <a:fld id="{6D8695E0-2EC1-4145-8AED-62195567F258}" type="datetime1">
               <a:rPr lang="zh-TW" altLang="en-US" smtClean="0"/>
-              <a:t>2021/12/23</a:t>
+              <a:t>2022/1/10</a:t>
             </a:fld>
             <a:endParaRPr lang="zh-TW" altLang="en-US"/>
           </a:p>
@@ -1621,7 +1621,7 @@
           <a:p>
             <a:fld id="{A1130999-2DB0-4D06-810E-42595F671673}" type="datetime1">
               <a:rPr lang="zh-TW" altLang="en-US" smtClean="0"/>
-              <a:t>2021/12/23</a:t>
+              <a:t>2022/1/10</a:t>
             </a:fld>
             <a:endParaRPr lang="zh-TW" altLang="en-US"/>
           </a:p>
@@ -1991,7 +1991,7 @@
           <a:p>
             <a:fld id="{20F23B2C-0F00-43A8-A8F7-12B674895952}" type="datetime1">
               <a:rPr lang="zh-TW" altLang="en-US" smtClean="0"/>
-              <a:t>2021/12/23</a:t>
+              <a:t>2022/1/10</a:t>
             </a:fld>
             <a:endParaRPr lang="zh-TW" altLang="en-US"/>
           </a:p>
@@ -2112,7 +2112,7 @@
           <a:p>
             <a:fld id="{388C7D00-3DD6-4C72-9135-C8DB3A6F17B8}" type="datetime1">
               <a:rPr lang="zh-TW" altLang="en-US" smtClean="0"/>
-              <a:t>2021/12/23</a:t>
+              <a:t>2022/1/10</a:t>
             </a:fld>
             <a:endParaRPr lang="zh-TW" altLang="en-US"/>
           </a:p>
@@ -2210,7 +2210,7 @@
           <a:p>
             <a:fld id="{4FCAF353-5A10-44A5-9747-5E6670D3D8CF}" type="datetime1">
               <a:rPr lang="zh-TW" altLang="en-US" smtClean="0"/>
-              <a:t>2021/12/23</a:t>
+              <a:t>2022/1/10</a:t>
             </a:fld>
             <a:endParaRPr lang="zh-TW" altLang="en-US"/>
           </a:p>
@@ -2490,7 +2490,7 @@
           <a:p>
             <a:fld id="{9A8BD291-3548-4FE4-8889-4DDF334F7492}" type="datetime1">
               <a:rPr lang="zh-TW" altLang="en-US" smtClean="0"/>
-              <a:t>2021/12/23</a:t>
+              <a:t>2022/1/10</a:t>
             </a:fld>
             <a:endParaRPr lang="zh-TW" altLang="en-US"/>
           </a:p>
@@ -2750,7 +2750,7 @@
           <a:p>
             <a:fld id="{C86E4E92-4125-42B8-B4C7-FA84756DD408}" type="datetime1">
               <a:rPr lang="zh-TW" altLang="en-US" smtClean="0"/>
-              <a:t>2021/12/23</a:t>
+              <a:t>2022/1/10</a:t>
             </a:fld>
             <a:endParaRPr lang="zh-TW" altLang="en-US"/>
           </a:p>
@@ -2966,7 +2966,7 @@
           <a:p>
             <a:fld id="{6F7A733D-F5CF-4207-BC7E-95DAC9504425}" type="datetime1">
               <a:rPr lang="zh-TW" altLang="en-US" smtClean="0"/>
-              <a:t>2021/12/23</a:t>
+              <a:t>2022/1/10</a:t>
             </a:fld>
             <a:endParaRPr lang="zh-TW" altLang="en-US"/>
           </a:p>
@@ -3406,6 +3406,20 @@
                 <a:latin typeface="Times New Roman" panose="02020603050405020304" pitchFamily="18" charset="0"/>
                 <a:cs typeface="Times New Roman" panose="02020603050405020304" pitchFamily="18" charset="0"/>
               </a:rPr>
+              <a:t>4.</a:t>
+            </a:r>
+            <a:r>
+              <a:rPr lang="zh-TW" altLang="en-US" b="1" dirty="0">
+                <a:latin typeface="Times New Roman" panose="02020603050405020304" pitchFamily="18" charset="0"/>
+                <a:cs typeface="Times New Roman" panose="02020603050405020304" pitchFamily="18" charset="0"/>
+              </a:rPr>
+              <a:t> </a:t>
+            </a:r>
+            <a:r>
+              <a:rPr lang="en-US" altLang="zh-TW" b="1" dirty="0">
+                <a:latin typeface="Times New Roman" panose="02020603050405020304" pitchFamily="18" charset="0"/>
+                <a:cs typeface="Times New Roman" panose="02020603050405020304" pitchFamily="18" charset="0"/>
+              </a:rPr>
               <a:t>Singly linked list (30)</a:t>
             </a:r>
             <a:endParaRPr lang="zh-TW" altLang="en-US" dirty="0"/>
@@ -3715,7 +3729,7 @@
                     <a:latin typeface="Times New Roman" panose="02020603050405020304" pitchFamily="18" charset="0"/>
                     <a:cs typeface="Times New Roman" panose="02020603050405020304" pitchFamily="18" charset="0"/>
                   </a:rPr>
-                  <a:t>delete the </a:t>
+                  <a:t>delete the node whose data field is </a:t>
                 </a:r>
                 <a:r>
                   <a:rPr lang="en-US" altLang="zh-TW" sz="1800" i="1" dirty="0" err="1">
@@ -3725,18 +3739,11 @@
                   <a:t>i</a:t>
                 </a:r>
                 <a:r>
-                  <a:rPr lang="en-US" altLang="zh-TW" sz="1800" dirty="0" err="1">
-                    <a:latin typeface="Times New Roman" panose="02020603050405020304" pitchFamily="18" charset="0"/>
-                    <a:cs typeface="Times New Roman" panose="02020603050405020304" pitchFamily="18" charset="0"/>
-                  </a:rPr>
-                  <a:t>-th</a:t>
-                </a:r>
-                <a:r>
                   <a:rPr lang="en-US" altLang="zh-TW" sz="1800" dirty="0">
                     <a:latin typeface="Times New Roman" panose="02020603050405020304" pitchFamily="18" charset="0"/>
                     <a:cs typeface="Times New Roman" panose="02020603050405020304" pitchFamily="18" charset="0"/>
                   </a:rPr>
-                  <a:t> node. (</a:t>
+                  <a:t> . (</a:t>
                 </a:r>
                 <a:r>
                   <a:rPr lang="en-US" altLang="zh-TW" sz="1800" b="1" i="1" dirty="0" err="1">
@@ -4623,6 +4630,20 @@
                 <a:latin typeface="Times New Roman" panose="02020603050405020304" pitchFamily="18" charset="0"/>
                 <a:cs typeface="Times New Roman" panose="02020603050405020304" pitchFamily="18" charset="0"/>
               </a:rPr>
+              <a:t>5.</a:t>
+            </a:r>
+            <a:r>
+              <a:rPr lang="zh-TW" altLang="en-US" b="1" dirty="0">
+                <a:latin typeface="Times New Roman" panose="02020603050405020304" pitchFamily="18" charset="0"/>
+                <a:cs typeface="Times New Roman" panose="02020603050405020304" pitchFamily="18" charset="0"/>
+              </a:rPr>
+              <a:t> </a:t>
+            </a:r>
+            <a:r>
+              <a:rPr lang="en-US" altLang="zh-TW" b="1" dirty="0">
+                <a:latin typeface="Times New Roman" panose="02020603050405020304" pitchFamily="18" charset="0"/>
+                <a:cs typeface="Times New Roman" panose="02020603050405020304" pitchFamily="18" charset="0"/>
+              </a:rPr>
               <a:t>Logistics center (30)</a:t>
             </a:r>
             <a:endParaRPr lang="zh-TW" altLang="en-US" dirty="0"/>
@@ -5353,6 +5374,20 @@
           <a:bodyPr/>
           <a:lstStyle/>
           <a:p>
+            <a:r>
+              <a:rPr lang="en-US" altLang="zh-TW" b="1" dirty="0">
+                <a:latin typeface="Times New Roman" panose="02020603050405020304" pitchFamily="18" charset="0"/>
+                <a:cs typeface="Times New Roman" panose="02020603050405020304" pitchFamily="18" charset="0"/>
+              </a:rPr>
+              <a:t>6.</a:t>
+            </a:r>
+            <a:r>
+              <a:rPr lang="zh-TW" altLang="en-US" b="1" dirty="0">
+                <a:latin typeface="Times New Roman" panose="02020603050405020304" pitchFamily="18" charset="0"/>
+                <a:cs typeface="Times New Roman" panose="02020603050405020304" pitchFamily="18" charset="0"/>
+              </a:rPr>
+              <a:t> </a:t>
+            </a:r>
             <a:r>
               <a:rPr lang="en-US" altLang="zh-TW" b="1" dirty="0">
                 <a:latin typeface="Times New Roman" panose="02020603050405020304" pitchFamily="18" charset="0"/>
